--- a/HW_2+3_programming_set/HW_2+3_programming/HW2+3.pptx
+++ b/HW_2+3_programming_set/HW_2+3_programming/HW2+3.pptx
@@ -253,7 +253,7 @@
           <a:p>
             <a:fld id="{F0C8AC04-A67D-B24C-8E12-8FB56FC05672}" type="datetimeFigureOut">
               <a:rPr lang="en-US" smtClean="0"/>
-              <a:t>3/10/2021</a:t>
+              <a:t>3/11/2021</a:t>
             </a:fld>
             <a:endParaRPr lang="en-US"/>
           </a:p>
@@ -430,7 +430,7 @@
           <a:p>
             <a:fld id="{2DE3F71F-EE20-0840-B448-C2CC2398DE46}" type="datetimeFigureOut">
               <a:rPr lang="en-US" smtClean="0"/>
-              <a:t>3/10/2021</a:t>
+              <a:t>3/11/2021</a:t>
             </a:fld>
             <a:endParaRPr lang="en-US"/>
           </a:p>
@@ -5661,8 +5661,8 @@
           </a:p>
         </p:txBody>
       </p:sp>
-      <mc:AlternateContent xmlns:mc="http://schemas.openxmlformats.org/markup-compatibility/2006">
-        <mc:Choice xmlns:a14="http://schemas.microsoft.com/office/drawing/2010/main" Requires="a14">
+      <mc:AlternateContent xmlns:mc="http://schemas.openxmlformats.org/markup-compatibility/2006" xmlns:a14="http://schemas.microsoft.com/office/drawing/2010/main">
+        <mc:Choice Requires="a14">
           <p:sp>
             <p:nvSpPr>
               <p:cNvPr id="3" name="Content Placeholder 2">
@@ -6135,7 +6135,7 @@
             </p:txBody>
           </p:sp>
         </mc:Choice>
-        <mc:Fallback>
+        <mc:Fallback xmlns="">
           <p:sp>
             <p:nvSpPr>
               <p:cNvPr id="3" name="Content Placeholder 2">
@@ -6233,8 +6233,8 @@
           </a:p>
         </p:txBody>
       </p:sp>
-      <mc:AlternateContent xmlns:mc="http://schemas.openxmlformats.org/markup-compatibility/2006">
-        <mc:Choice xmlns:a14="http://schemas.microsoft.com/office/drawing/2010/main" Requires="a14">
+      <mc:AlternateContent xmlns:mc="http://schemas.openxmlformats.org/markup-compatibility/2006" xmlns:a14="http://schemas.microsoft.com/office/drawing/2010/main">
+        <mc:Choice Requires="a14">
           <p:sp>
             <p:nvSpPr>
               <p:cNvPr id="3" name="Content Placeholder 2">
@@ -6311,7 +6311,7 @@
                     <m:sSup>
                       <m:sSupPr>
                         <m:ctrlPr>
-                          <a:rPr lang="en-US" smtClean="0">
+                          <a:rPr lang="en-US" i="1" smtClean="0">
                             <a:latin typeface="Cambria Math" panose="02040503050406030204" pitchFamily="18" charset="0"/>
                             <a:ea typeface="Cambria Math" panose="02040503050406030204" pitchFamily="18" charset="0"/>
                           </a:rPr>
@@ -6873,19 +6873,21 @@
                       <m:accPr>
                         <m:chr m:val="̃"/>
                         <m:ctrlPr>
+                          <a:rPr lang="en-US" i="1">
+                            <a:solidFill>
+                              <a:srgbClr val="FF0000"/>
+                            </a:solidFill>
+                            <a:latin typeface="Cambria Math" panose="02040503050406030204" pitchFamily="18" charset="0"/>
+                          </a:rPr>
+                        </m:ctrlPr>
+                      </m:accPr>
+                      <m:e>
+                        <m:r>
                           <a:rPr lang="en-US">
                             <a:solidFill>
                               <a:srgbClr val="FF0000"/>
                             </a:solidFill>
-                          </a:rPr>
-                        </m:ctrlPr>
-                      </m:accPr>
-                      <m:e>
-                        <m:r>
-                          <a:rPr lang="en-US">
-                            <a:solidFill>
-                              <a:srgbClr val="FF0000"/>
-                            </a:solidFill>
+                            <a:latin typeface="Cambria Math" panose="02040503050406030204" pitchFamily="18" charset="0"/>
                           </a:rPr>
                           <m:t>𝒘</m:t>
                         </m:r>
@@ -7221,7 +7223,7 @@
             </p:txBody>
           </p:sp>
         </mc:Choice>
-        <mc:Fallback>
+        <mc:Fallback xmlns="">
           <p:sp>
             <p:nvSpPr>
               <p:cNvPr id="3" name="Content Placeholder 2">
@@ -7475,8 +7477,8 @@
           </a:p>
         </p:txBody>
       </p:sp>
-      <mc:AlternateContent xmlns:mc="http://schemas.openxmlformats.org/markup-compatibility/2006">
-        <mc:Choice xmlns:a14="http://schemas.microsoft.com/office/drawing/2010/main" Requires="a14">
+      <mc:AlternateContent xmlns:mc="http://schemas.openxmlformats.org/markup-compatibility/2006" xmlns:a14="http://schemas.microsoft.com/office/drawing/2010/main">
+        <mc:Choice Requires="a14">
           <p:sp>
             <p:nvSpPr>
               <p:cNvPr id="3" name="Content Placeholder 2">
@@ -8271,7 +8273,7 @@
             </p:txBody>
           </p:sp>
         </mc:Choice>
-        <mc:Fallback>
+        <mc:Fallback xmlns="">
           <p:sp>
             <p:nvSpPr>
               <p:cNvPr id="3" name="Content Placeholder 2">
@@ -8369,8 +8371,8 @@
           </a:p>
         </p:txBody>
       </p:sp>
-      <mc:AlternateContent xmlns:mc="http://schemas.openxmlformats.org/markup-compatibility/2006">
-        <mc:Choice xmlns:a14="http://schemas.microsoft.com/office/drawing/2010/main" Requires="a14">
+      <mc:AlternateContent xmlns:mc="http://schemas.openxmlformats.org/markup-compatibility/2006" xmlns:a14="http://schemas.microsoft.com/office/drawing/2010/main">
+        <mc:Choice Requires="a14">
           <p:sp>
             <p:nvSpPr>
               <p:cNvPr id="3" name="Content Placeholder 2">
@@ -9506,7 +9508,7 @@
             </p:txBody>
           </p:sp>
         </mc:Choice>
-        <mc:Fallback>
+        <mc:Fallback xmlns="">
           <p:sp>
             <p:nvSpPr>
               <p:cNvPr id="3" name="Content Placeholder 2">
@@ -9662,8 +9664,8 @@
           </a:p>
         </p:txBody>
       </p:sp>
-      <mc:AlternateContent xmlns:mc="http://schemas.openxmlformats.org/markup-compatibility/2006">
-        <mc:Choice xmlns:a14="http://schemas.microsoft.com/office/drawing/2010/main" Requires="a14">
+      <mc:AlternateContent xmlns:mc="http://schemas.openxmlformats.org/markup-compatibility/2006" xmlns:a14="http://schemas.microsoft.com/office/drawing/2010/main">
+        <mc:Choice Requires="a14">
           <p:sp>
             <p:nvSpPr>
               <p:cNvPr id="3" name="Content Placeholder 2">
@@ -9685,7 +9687,6 @@
               <a:bodyPr/>
               <a:lstStyle/>
               <a:p>
-                <a:pPr/>
                 <a14:m>
                   <m:oMath xmlns:m="http://schemas.openxmlformats.org/officeDocument/2006/math">
                     <m:sSub>
@@ -10024,7 +10025,6 @@
                 <a:endParaRPr lang="en-US" dirty="0"/>
               </a:p>
               <a:p>
-                <a:pPr/>
                 <a14:m>
                   <m:oMath xmlns:m="http://schemas.openxmlformats.org/officeDocument/2006/math">
                     <m:sSub>
@@ -10176,13 +10176,7 @@
                               <a:rPr lang="en-US">
                                 <a:latin typeface="Cambria Math" panose="02040503050406030204" pitchFamily="18" charset="0"/>
                               </a:rPr>
-                              <m:t>, </m:t>
-                            </m:r>
-                            <m:r>
-                              <a:rPr lang="en-US">
-                                <a:latin typeface="Cambria Math" panose="02040503050406030204" pitchFamily="18" charset="0"/>
-                              </a:rPr>
-                              <m:t>  </m:t>
+                              <m:t>,   </m:t>
                             </m:r>
                             <m:r>
                               <m:rPr>
@@ -10312,13 +10306,7 @@
                               <a:rPr lang="en-US" i="1" dirty="0">
                                 <a:latin typeface="Cambria Math" panose="02040503050406030204" pitchFamily="18" charset="0"/>
                               </a:rPr>
-                              <m:t>0, </m:t>
-                            </m:r>
-                            <m:r>
-                              <a:rPr lang="en-US" i="1" dirty="0">
-                                <a:latin typeface="Cambria Math" panose="02040503050406030204" pitchFamily="18" charset="0"/>
-                              </a:rPr>
-                              <m:t> </m:t>
+                              <m:t>0,  </m:t>
                             </m:r>
                             <m:r>
                               <m:rPr>
@@ -10354,7 +10342,7 @@
             </p:txBody>
           </p:sp>
         </mc:Choice>
-        <mc:Fallback>
+        <mc:Fallback xmlns="">
           <p:sp>
             <p:nvSpPr>
               <p:cNvPr id="3" name="Content Placeholder 2">
@@ -10551,8 +10539,8 @@
           </a:p>
         </p:txBody>
       </p:sp>
-      <mc:AlternateContent xmlns:mc="http://schemas.openxmlformats.org/markup-compatibility/2006">
-        <mc:Choice xmlns:a14="http://schemas.microsoft.com/office/drawing/2010/main" Requires="a14">
+      <mc:AlternateContent xmlns:mc="http://schemas.openxmlformats.org/markup-compatibility/2006" xmlns:a14="http://schemas.microsoft.com/office/drawing/2010/main">
+        <mc:Choice Requires="a14">
           <p:sp>
             <p:nvSpPr>
               <p:cNvPr id="3" name="Content Placeholder 2">
@@ -11587,17 +11575,7 @@
                             <a:latin typeface="Cambria Math" panose="02040503050406030204" pitchFamily="18" charset="0"/>
                             <a:ea typeface="Cambria Math" panose="02040503050406030204" pitchFamily="18" charset="0"/>
                           </a:rPr>
-                          <m:t>|</m:t>
-                        </m:r>
-                        <m:r>
-                          <a:rPr lang="en-US">
-                            <a:solidFill>
-                              <a:schemeClr val="tx1"/>
-                            </a:solidFill>
-                            <a:latin typeface="Cambria Math" panose="02040503050406030204" pitchFamily="18" charset="0"/>
-                            <a:ea typeface="Cambria Math" panose="02040503050406030204" pitchFamily="18" charset="0"/>
-                          </a:rPr>
-                          <m:t> </m:t>
+                          <m:t>| </m:t>
                         </m:r>
                         <m:r>
                           <a:rPr lang="en-US" i="1">
@@ -12316,7 +12294,7 @@
             </p:txBody>
           </p:sp>
         </mc:Choice>
-        <mc:Fallback>
+        <mc:Fallback xmlns="">
           <p:sp>
             <p:nvSpPr>
               <p:cNvPr id="3" name="Content Placeholder 2">
@@ -12769,14 +12747,7 @@
                             <a:latin typeface="Cambria Math" panose="02040503050406030204" pitchFamily="18" charset="0"/>
                             <a:ea typeface="Cambria Math" panose="02040503050406030204" pitchFamily="18" charset="0"/>
                           </a:rPr>
-                          <m:t>=</m:t>
-                        </m:r>
-                        <m:r>
-                          <a:rPr lang="en-US" i="1">
-                            <a:latin typeface="Cambria Math" panose="02040503050406030204" pitchFamily="18" charset="0"/>
-                            <a:ea typeface="Cambria Math" panose="02040503050406030204" pitchFamily="18" charset="0"/>
-                          </a:rPr>
-                          <m:t>+1</m:t>
+                          <m:t>=+1</m:t>
                         </m:r>
                       </m:e>
                     </m:d>
@@ -12884,6 +12855,180 @@
                     </a:solidFill>
                   </a:rPr>
                   <a:t>See slides 11 or 12 for how to compute them</a:t>
+                </a:r>
+              </a:p>
+              <a:p>
+                <a:r>
+                  <a:rPr lang="en-US" dirty="0"/>
+                  <a:t>You can represent </a:t>
+                </a:r>
+                <a14:m>
+                  <m:oMath xmlns:m="http://schemas.openxmlformats.org/officeDocument/2006/math">
+                    <m:sSup>
+                      <m:sSupPr>
+                        <m:ctrlPr>
+                          <a:rPr lang="en-US" i="1" smtClean="0">
+                            <a:latin typeface="Cambria Math" panose="02040503050406030204" pitchFamily="18" charset="0"/>
+                          </a:rPr>
+                        </m:ctrlPr>
+                      </m:sSupPr>
+                      <m:e>
+                        <m:r>
+                          <a:rPr lang="en-US" b="0" i="1" smtClean="0">
+                            <a:latin typeface="Cambria Math" panose="02040503050406030204" pitchFamily="18" charset="0"/>
+                          </a:rPr>
+                          <m:t>[</m:t>
+                        </m:r>
+                        <m:sSub>
+                          <m:sSubPr>
+                            <m:ctrlPr>
+                              <a:rPr lang="en-US" i="1">
+                                <a:latin typeface="Cambria Math" panose="02040503050406030204" pitchFamily="18" charset="0"/>
+                                <a:ea typeface="Cambria Math" panose="02040503050406030204" pitchFamily="18" charset="0"/>
+                              </a:rPr>
+                            </m:ctrlPr>
+                          </m:sSubPr>
+                          <m:e>
+                            <m:r>
+                              <a:rPr lang="en-US" i="1">
+                                <a:latin typeface="Cambria Math" panose="02040503050406030204" pitchFamily="18" charset="0"/>
+                                <a:ea typeface="Cambria Math" panose="02040503050406030204" pitchFamily="18" charset="0"/>
+                              </a:rPr>
+                              <m:t>𝜎</m:t>
+                            </m:r>
+                          </m:e>
+                          <m:sub>
+                            <m:r>
+                              <a:rPr lang="en-US" b="0" i="1" smtClean="0">
+                                <a:latin typeface="Cambria Math" panose="02040503050406030204" pitchFamily="18" charset="0"/>
+                                <a:ea typeface="Cambria Math" panose="02040503050406030204" pitchFamily="18" charset="0"/>
+                              </a:rPr>
+                              <m:t>1</m:t>
+                            </m:r>
+                            <m:r>
+                              <a:rPr lang="en-US" i="1">
+                                <a:latin typeface="Cambria Math" panose="02040503050406030204" pitchFamily="18" charset="0"/>
+                                <a:ea typeface="Cambria Math" panose="02040503050406030204" pitchFamily="18" charset="0"/>
+                              </a:rPr>
+                              <m:t>,+1</m:t>
+                            </m:r>
+                          </m:sub>
+                        </m:sSub>
+                        <m:r>
+                          <a:rPr lang="en-US" b="0" i="1" smtClean="0">
+                            <a:latin typeface="Cambria Math" panose="02040503050406030204" pitchFamily="18" charset="0"/>
+                            <a:ea typeface="Cambria Math" panose="02040503050406030204" pitchFamily="18" charset="0"/>
+                          </a:rPr>
+                          <m:t>,</m:t>
+                        </m:r>
+                        <m:sSub>
+                          <m:sSubPr>
+                            <m:ctrlPr>
+                              <a:rPr lang="en-US" i="1">
+                                <a:latin typeface="Cambria Math" panose="02040503050406030204" pitchFamily="18" charset="0"/>
+                                <a:ea typeface="Cambria Math" panose="02040503050406030204" pitchFamily="18" charset="0"/>
+                              </a:rPr>
+                            </m:ctrlPr>
+                          </m:sSubPr>
+                          <m:e>
+                            <m:r>
+                              <a:rPr lang="en-US" i="1">
+                                <a:latin typeface="Cambria Math" panose="02040503050406030204" pitchFamily="18" charset="0"/>
+                                <a:ea typeface="Cambria Math" panose="02040503050406030204" pitchFamily="18" charset="0"/>
+                              </a:rPr>
+                              <m:t>𝜎</m:t>
+                            </m:r>
+                          </m:e>
+                          <m:sub>
+                            <m:r>
+                              <a:rPr lang="en-US" b="0" i="1" smtClean="0">
+                                <a:latin typeface="Cambria Math" panose="02040503050406030204" pitchFamily="18" charset="0"/>
+                                <a:ea typeface="Cambria Math" panose="02040503050406030204" pitchFamily="18" charset="0"/>
+                              </a:rPr>
+                              <m:t>2</m:t>
+                            </m:r>
+                            <m:r>
+                              <a:rPr lang="en-US" i="1">
+                                <a:latin typeface="Cambria Math" panose="02040503050406030204" pitchFamily="18" charset="0"/>
+                                <a:ea typeface="Cambria Math" panose="02040503050406030204" pitchFamily="18" charset="0"/>
+                              </a:rPr>
+                              <m:t>,+1</m:t>
+                            </m:r>
+                          </m:sub>
+                        </m:sSub>
+                        <m:r>
+                          <a:rPr lang="en-US" b="0" i="1" smtClean="0">
+                            <a:latin typeface="Cambria Math" panose="02040503050406030204" pitchFamily="18" charset="0"/>
+                            <a:ea typeface="Cambria Math" panose="02040503050406030204" pitchFamily="18" charset="0"/>
+                          </a:rPr>
+                          <m:t>, ……,</m:t>
+                        </m:r>
+                        <m:sSub>
+                          <m:sSubPr>
+                            <m:ctrlPr>
+                              <a:rPr lang="en-US" i="1">
+                                <a:latin typeface="Cambria Math" panose="02040503050406030204" pitchFamily="18" charset="0"/>
+                                <a:ea typeface="Cambria Math" panose="02040503050406030204" pitchFamily="18" charset="0"/>
+                              </a:rPr>
+                            </m:ctrlPr>
+                          </m:sSubPr>
+                          <m:e>
+                            <m:r>
+                              <a:rPr lang="en-US" i="1">
+                                <a:latin typeface="Cambria Math" panose="02040503050406030204" pitchFamily="18" charset="0"/>
+                                <a:ea typeface="Cambria Math" panose="02040503050406030204" pitchFamily="18" charset="0"/>
+                              </a:rPr>
+                              <m:t>𝜎</m:t>
+                            </m:r>
+                          </m:e>
+                          <m:sub>
+                            <m:r>
+                              <a:rPr lang="en-US" b="0" i="1" smtClean="0">
+                                <a:latin typeface="Cambria Math" panose="02040503050406030204" pitchFamily="18" charset="0"/>
+                                <a:ea typeface="Cambria Math" panose="02040503050406030204" pitchFamily="18" charset="0"/>
+                              </a:rPr>
+                              <m:t>𝑁</m:t>
+                            </m:r>
+                            <m:r>
+                              <a:rPr lang="en-US" i="1">
+                                <a:latin typeface="Cambria Math" panose="02040503050406030204" pitchFamily="18" charset="0"/>
+                                <a:ea typeface="Cambria Math" panose="02040503050406030204" pitchFamily="18" charset="0"/>
+                              </a:rPr>
+                              <m:t>,+1</m:t>
+                            </m:r>
+                          </m:sub>
+                        </m:sSub>
+                        <m:r>
+                          <a:rPr lang="en-US" b="0" i="1" smtClean="0">
+                            <a:latin typeface="Cambria Math" panose="02040503050406030204" pitchFamily="18" charset="0"/>
+                          </a:rPr>
+                          <m:t>]</m:t>
+                        </m:r>
+                      </m:e>
+                      <m:sup>
+                        <m:r>
+                          <a:rPr lang="en-US" b="0" i="1" smtClean="0">
+                            <a:latin typeface="Cambria Math" panose="02040503050406030204" pitchFamily="18" charset="0"/>
+                          </a:rPr>
+                          <m:t>𝑇</m:t>
+                        </m:r>
+                      </m:sup>
+                    </m:sSup>
+                    <m:r>
+                      <a:rPr lang="en-US" i="1">
+                        <a:latin typeface="Cambria Math" panose="02040503050406030204" pitchFamily="18" charset="0"/>
+                      </a:rPr>
+                      <m:t> </m:t>
+                    </m:r>
+                  </m:oMath>
+                </a14:m>
+                <a:r>
+                  <a:rPr lang="en-US" dirty="0">
+                    <a:solidFill>
+                      <a:schemeClr val="tx1"/>
+                    </a:solidFill>
+                  </a:rPr>
+                  <a:t>as a vector</a:t>
                 </a:r>
               </a:p>
             </p:txBody>
@@ -13197,14 +13342,7 @@
                             <a:latin typeface="Cambria Math" panose="02040503050406030204" pitchFamily="18" charset="0"/>
                             <a:ea typeface="Cambria Math" panose="02040503050406030204" pitchFamily="18" charset="0"/>
                           </a:rPr>
-                          <m:t>=</m:t>
-                        </m:r>
-                        <m:r>
-                          <a:rPr lang="en-US" i="1">
-                            <a:latin typeface="Cambria Math" panose="02040503050406030204" pitchFamily="18" charset="0"/>
-                            <a:ea typeface="Cambria Math" panose="02040503050406030204" pitchFamily="18" charset="0"/>
-                          </a:rPr>
-                          <m:t>+1</m:t>
+                          <m:t>=+1</m:t>
                         </m:r>
                       </m:e>
                     </m:d>
@@ -13654,21 +13792,7 @@
                                 <a:latin typeface="Cambria Math" panose="02040503050406030204" pitchFamily="18" charset="0"/>
                                 <a:ea typeface="Cambria Math" panose="02040503050406030204" pitchFamily="18" charset="0"/>
                               </a:rPr>
-                              <m:t>,</m:t>
-                            </m:r>
-                            <m:r>
-                              <a:rPr lang="en-US" b="0" i="1" smtClean="0">
-                                <a:latin typeface="Cambria Math" panose="02040503050406030204" pitchFamily="18" charset="0"/>
-                                <a:ea typeface="Cambria Math" panose="02040503050406030204" pitchFamily="18" charset="0"/>
-                              </a:rPr>
-                              <m:t>−</m:t>
-                            </m:r>
-                            <m:r>
-                              <a:rPr lang="en-US" i="1">
-                                <a:latin typeface="Cambria Math" panose="02040503050406030204" pitchFamily="18" charset="0"/>
-                                <a:ea typeface="Cambria Math" panose="02040503050406030204" pitchFamily="18" charset="0"/>
-                              </a:rPr>
-                              <m:t>1</m:t>
+                              <m:t>,−1</m:t>
                             </m:r>
                           </m:sub>
                           <m:sup>
@@ -13697,6 +13821,162 @@
                     </m:f>
                   </m:oMath>
                 </a14:m>
+                <a:endParaRPr lang="en-US" dirty="0">
+                  <a:solidFill>
+                    <a:schemeClr val="tx1"/>
+                  </a:solidFill>
+                </a:endParaRPr>
+              </a:p>
+              <a:p>
+                <a:r>
+                  <a:rPr lang="en-US" dirty="0"/>
+                  <a:t>You can represent </a:t>
+                </a:r>
+                <a14:m>
+                  <m:oMath xmlns:m="http://schemas.openxmlformats.org/officeDocument/2006/math">
+                    <m:sSup>
+                      <m:sSupPr>
+                        <m:ctrlPr>
+                          <a:rPr lang="en-US" i="1">
+                            <a:latin typeface="Cambria Math" panose="02040503050406030204" pitchFamily="18" charset="0"/>
+                          </a:rPr>
+                        </m:ctrlPr>
+                      </m:sSupPr>
+                      <m:e>
+                        <m:r>
+                          <a:rPr lang="en-US" i="1">
+                            <a:latin typeface="Cambria Math" panose="02040503050406030204" pitchFamily="18" charset="0"/>
+                          </a:rPr>
+                          <m:t>[</m:t>
+                        </m:r>
+                        <m:sSub>
+                          <m:sSubPr>
+                            <m:ctrlPr>
+                              <a:rPr lang="en-US" i="1">
+                                <a:latin typeface="Cambria Math" panose="02040503050406030204" pitchFamily="18" charset="0"/>
+                                <a:ea typeface="Cambria Math" panose="02040503050406030204" pitchFamily="18" charset="0"/>
+                              </a:rPr>
+                            </m:ctrlPr>
+                          </m:sSubPr>
+                          <m:e>
+                            <m:r>
+                              <a:rPr lang="en-US" i="1">
+                                <a:latin typeface="Cambria Math" panose="02040503050406030204" pitchFamily="18" charset="0"/>
+                                <a:ea typeface="Cambria Math" panose="02040503050406030204" pitchFamily="18" charset="0"/>
+                              </a:rPr>
+                              <m:t>𝜎</m:t>
+                            </m:r>
+                          </m:e>
+                          <m:sub>
+                            <m:r>
+                              <a:rPr lang="en-US" b="0" i="1" smtClean="0">
+                                <a:latin typeface="Cambria Math" panose="02040503050406030204" pitchFamily="18" charset="0"/>
+                                <a:ea typeface="Cambria Math" panose="02040503050406030204" pitchFamily="18" charset="0"/>
+                              </a:rPr>
+                              <m:t>1</m:t>
+                            </m:r>
+                          </m:sub>
+                        </m:sSub>
+                        <m:r>
+                          <a:rPr lang="en-US" i="1">
+                            <a:latin typeface="Cambria Math" panose="02040503050406030204" pitchFamily="18" charset="0"/>
+                            <a:ea typeface="Cambria Math" panose="02040503050406030204" pitchFamily="18" charset="0"/>
+                          </a:rPr>
+                          <m:t>,</m:t>
+                        </m:r>
+                        <m:sSub>
+                          <m:sSubPr>
+                            <m:ctrlPr>
+                              <a:rPr lang="en-US" i="1">
+                                <a:latin typeface="Cambria Math" panose="02040503050406030204" pitchFamily="18" charset="0"/>
+                                <a:ea typeface="Cambria Math" panose="02040503050406030204" pitchFamily="18" charset="0"/>
+                              </a:rPr>
+                            </m:ctrlPr>
+                          </m:sSubPr>
+                          <m:e>
+                            <m:r>
+                              <a:rPr lang="en-US" i="1">
+                                <a:latin typeface="Cambria Math" panose="02040503050406030204" pitchFamily="18" charset="0"/>
+                                <a:ea typeface="Cambria Math" panose="02040503050406030204" pitchFamily="18" charset="0"/>
+                              </a:rPr>
+                              <m:t>𝜎</m:t>
+                            </m:r>
+                          </m:e>
+                          <m:sub>
+                            <m:r>
+                              <a:rPr lang="en-US" i="1">
+                                <a:latin typeface="Cambria Math" panose="02040503050406030204" pitchFamily="18" charset="0"/>
+                                <a:ea typeface="Cambria Math" panose="02040503050406030204" pitchFamily="18" charset="0"/>
+                              </a:rPr>
+                              <m:t>2</m:t>
+                            </m:r>
+                          </m:sub>
+                        </m:sSub>
+                        <m:r>
+                          <a:rPr lang="en-US" i="1">
+                            <a:latin typeface="Cambria Math" panose="02040503050406030204" pitchFamily="18" charset="0"/>
+                            <a:ea typeface="Cambria Math" panose="02040503050406030204" pitchFamily="18" charset="0"/>
+                          </a:rPr>
+                          <m:t>, ……,</m:t>
+                        </m:r>
+                        <m:sSub>
+                          <m:sSubPr>
+                            <m:ctrlPr>
+                              <a:rPr lang="en-US" i="1">
+                                <a:latin typeface="Cambria Math" panose="02040503050406030204" pitchFamily="18" charset="0"/>
+                                <a:ea typeface="Cambria Math" panose="02040503050406030204" pitchFamily="18" charset="0"/>
+                              </a:rPr>
+                            </m:ctrlPr>
+                          </m:sSubPr>
+                          <m:e>
+                            <m:r>
+                              <a:rPr lang="en-US" i="1">
+                                <a:latin typeface="Cambria Math" panose="02040503050406030204" pitchFamily="18" charset="0"/>
+                                <a:ea typeface="Cambria Math" panose="02040503050406030204" pitchFamily="18" charset="0"/>
+                              </a:rPr>
+                              <m:t>𝜎</m:t>
+                            </m:r>
+                          </m:e>
+                          <m:sub>
+                            <m:r>
+                              <a:rPr lang="en-US" i="1">
+                                <a:latin typeface="Cambria Math" panose="02040503050406030204" pitchFamily="18" charset="0"/>
+                                <a:ea typeface="Cambria Math" panose="02040503050406030204" pitchFamily="18" charset="0"/>
+                              </a:rPr>
+                              <m:t>𝑁</m:t>
+                            </m:r>
+                          </m:sub>
+                        </m:sSub>
+                        <m:r>
+                          <a:rPr lang="en-US" i="1">
+                            <a:latin typeface="Cambria Math" panose="02040503050406030204" pitchFamily="18" charset="0"/>
+                          </a:rPr>
+                          <m:t>]</m:t>
+                        </m:r>
+                      </m:e>
+                      <m:sup>
+                        <m:r>
+                          <a:rPr lang="en-US" i="1">
+                            <a:latin typeface="Cambria Math" panose="02040503050406030204" pitchFamily="18" charset="0"/>
+                          </a:rPr>
+                          <m:t>𝑇</m:t>
+                        </m:r>
+                      </m:sup>
+                    </m:sSup>
+                    <m:r>
+                      <a:rPr lang="en-US" i="1">
+                        <a:latin typeface="Cambria Math" panose="02040503050406030204" pitchFamily="18" charset="0"/>
+                      </a:rPr>
+                      <m:t> </m:t>
+                    </m:r>
+                  </m:oMath>
+                </a14:m>
+                <a:r>
+                  <a:rPr lang="en-US" dirty="0"/>
+                  <a:t>as a vector</a:t>
+                </a:r>
+              </a:p>
+              <a:p>
                 <a:endParaRPr lang="en-US" dirty="0">
                   <a:solidFill>
                     <a:schemeClr val="tx1"/>
@@ -13804,8 +14084,8 @@
           </a:p>
         </p:txBody>
       </p:sp>
-      <mc:AlternateContent xmlns:mc="http://schemas.openxmlformats.org/markup-compatibility/2006">
-        <mc:Choice xmlns:a14="http://schemas.microsoft.com/office/drawing/2010/main" Requires="a14">
+      <mc:AlternateContent xmlns:mc="http://schemas.openxmlformats.org/markup-compatibility/2006" xmlns:a14="http://schemas.microsoft.com/office/drawing/2010/main">
+        <mc:Choice Requires="a14">
           <p:sp>
             <p:nvSpPr>
               <p:cNvPr id="3" name="Content Placeholder 2">
@@ -14684,7 +14964,7 @@
             </p:txBody>
           </p:sp>
         </mc:Choice>
-        <mc:Fallback>
+        <mc:Fallback xmlns="">
           <p:sp>
             <p:nvSpPr>
               <p:cNvPr id="3" name="Content Placeholder 2">
@@ -14881,8 +15161,8 @@
           </a:p>
         </p:txBody>
       </p:sp>
-      <mc:AlternateContent xmlns:mc="http://schemas.openxmlformats.org/markup-compatibility/2006">
-        <mc:Choice xmlns:a14="http://schemas.microsoft.com/office/drawing/2010/main" Requires="a14">
+      <mc:AlternateContent xmlns:mc="http://schemas.openxmlformats.org/markup-compatibility/2006" xmlns:a14="http://schemas.microsoft.com/office/drawing/2010/main">
+        <mc:Choice Requires="a14">
           <p:sp>
             <p:nvSpPr>
               <p:cNvPr id="3" name="Content Placeholder 2">
@@ -15739,7 +16019,7 @@
             </p:txBody>
           </p:sp>
         </mc:Choice>
-        <mc:Fallback>
+        <mc:Fallback xmlns="">
           <p:sp>
             <p:nvSpPr>
               <p:cNvPr id="3" name="Content Placeholder 2">
@@ -15841,8 +16121,8 @@
           </a:p>
         </p:txBody>
       </p:sp>
-      <mc:AlternateContent xmlns:mc="http://schemas.openxmlformats.org/markup-compatibility/2006">
-        <mc:Choice xmlns:a14="http://schemas.microsoft.com/office/drawing/2010/main" Requires="a14">
+      <mc:AlternateContent xmlns:mc="http://schemas.openxmlformats.org/markup-compatibility/2006" xmlns:a14="http://schemas.microsoft.com/office/drawing/2010/main">
+        <mc:Choice Requires="a14">
           <p:sp>
             <p:nvSpPr>
               <p:cNvPr id="3" name="Content Placeholder 2">
@@ -15994,14 +16274,7 @@
                             <a:latin typeface="Cambria Math" panose="02040503050406030204" pitchFamily="18" charset="0"/>
                             <a:ea typeface="Cambria Math" panose="02040503050406030204" pitchFamily="18" charset="0"/>
                           </a:rPr>
-                          <m:t>=</m:t>
-                        </m:r>
-                        <m:r>
-                          <a:rPr lang="en-US" i="1">
-                            <a:latin typeface="Cambria Math" panose="02040503050406030204" pitchFamily="18" charset="0"/>
-                            <a:ea typeface="Cambria Math" panose="02040503050406030204" pitchFamily="18" charset="0"/>
-                          </a:rPr>
-                          <m:t>+1</m:t>
+                          <m:t>=+1</m:t>
                         </m:r>
                       </m:e>
                     </m:d>
@@ -16113,7 +16386,7 @@
             </p:txBody>
           </p:sp>
         </mc:Choice>
-        <mc:Fallback>
+        <mc:Fallback xmlns="">
           <p:sp>
             <p:nvSpPr>
               <p:cNvPr id="3" name="Content Placeholder 2">
@@ -16215,8 +16488,8 @@
           </a:p>
         </p:txBody>
       </p:sp>
-      <mc:AlternateContent xmlns:mc="http://schemas.openxmlformats.org/markup-compatibility/2006">
-        <mc:Choice xmlns:a14="http://schemas.microsoft.com/office/drawing/2010/main" Requires="a14">
+      <mc:AlternateContent xmlns:mc="http://schemas.openxmlformats.org/markup-compatibility/2006" xmlns:a14="http://schemas.microsoft.com/office/drawing/2010/main">
+        <mc:Choice Requires="a14">
           <p:sp>
             <p:nvSpPr>
               <p:cNvPr id="3" name="Content Placeholder 2">
@@ -16368,14 +16641,7 @@
                             <a:latin typeface="Cambria Math" panose="02040503050406030204" pitchFamily="18" charset="0"/>
                             <a:ea typeface="Cambria Math" panose="02040503050406030204" pitchFamily="18" charset="0"/>
                           </a:rPr>
-                          <m:t>=</m:t>
-                        </m:r>
-                        <m:r>
-                          <a:rPr lang="en-US" i="1">
-                            <a:latin typeface="Cambria Math" panose="02040503050406030204" pitchFamily="18" charset="0"/>
-                            <a:ea typeface="Cambria Math" panose="02040503050406030204" pitchFamily="18" charset="0"/>
-                          </a:rPr>
-                          <m:t>+1</m:t>
+                          <m:t>=+1</m:t>
                         </m:r>
                       </m:e>
                     </m:d>
@@ -16469,14 +16735,7 @@
                             <a:latin typeface="Cambria Math" panose="02040503050406030204" pitchFamily="18" charset="0"/>
                             <a:ea typeface="Cambria Math" panose="02040503050406030204" pitchFamily="18" charset="0"/>
                           </a:rPr>
-                          <m:t>−</m:t>
-                        </m:r>
-                        <m:r>
-                          <a:rPr lang="en-US" i="1">
-                            <a:latin typeface="Cambria Math" panose="02040503050406030204" pitchFamily="18" charset="0"/>
-                            <a:ea typeface="Cambria Math" panose="02040503050406030204" pitchFamily="18" charset="0"/>
-                          </a:rPr>
-                          <m:t>1</m:t>
+                          <m:t>−1</m:t>
                         </m:r>
                       </m:sub>
                     </m:sSub>
@@ -16678,14 +16937,7 @@
                                 <a:latin typeface="Cambria Math" panose="02040503050406030204" pitchFamily="18" charset="0"/>
                                 <a:ea typeface="Cambria Math" panose="02040503050406030204" pitchFamily="18" charset="0"/>
                               </a:rPr>
-                              <m:t>−</m:t>
-                            </m:r>
-                            <m:r>
-                              <a:rPr lang="en-US" i="1">
-                                <a:latin typeface="Cambria Math" panose="02040503050406030204" pitchFamily="18" charset="0"/>
-                                <a:ea typeface="Cambria Math" panose="02040503050406030204" pitchFamily="18" charset="0"/>
-                              </a:rPr>
-                              <m:t>1</m:t>
+                              <m:t>−1</m:t>
                             </m:r>
                           </m:sub>
                         </m:sSub>
@@ -16756,7 +17008,7 @@
             </p:txBody>
           </p:sp>
         </mc:Choice>
-        <mc:Fallback>
+        <mc:Fallback xmlns="">
           <p:sp>
             <p:nvSpPr>
               <p:cNvPr id="3" name="Content Placeholder 2">
@@ -16858,8 +17110,8 @@
           </a:p>
         </p:txBody>
       </p:sp>
-      <mc:AlternateContent xmlns:mc="http://schemas.openxmlformats.org/markup-compatibility/2006">
-        <mc:Choice xmlns:a14="http://schemas.microsoft.com/office/drawing/2010/main" Requires="a14">
+      <mc:AlternateContent xmlns:mc="http://schemas.openxmlformats.org/markup-compatibility/2006" xmlns:a14="http://schemas.microsoft.com/office/drawing/2010/main">
+        <mc:Choice Requires="a14">
           <p:sp>
             <p:nvSpPr>
               <p:cNvPr id="3" name="Content Placeholder 2">
@@ -17424,7 +17676,7 @@
             </p:txBody>
           </p:sp>
         </mc:Choice>
-        <mc:Fallback>
+        <mc:Fallback xmlns="">
           <p:sp>
             <p:nvSpPr>
               <p:cNvPr id="3" name="Content Placeholder 2">
@@ -17522,8 +17774,8 @@
           </a:p>
         </p:txBody>
       </p:sp>
-      <mc:AlternateContent xmlns:mc="http://schemas.openxmlformats.org/markup-compatibility/2006">
-        <mc:Choice xmlns:a14="http://schemas.microsoft.com/office/drawing/2010/main" Requires="a14">
+      <mc:AlternateContent xmlns:mc="http://schemas.openxmlformats.org/markup-compatibility/2006" xmlns:a14="http://schemas.microsoft.com/office/drawing/2010/main">
+        <mc:Choice Requires="a14">
           <p:sp>
             <p:nvSpPr>
               <p:cNvPr id="3" name="Content Placeholder 2">
@@ -17740,7 +17992,7 @@
             </p:txBody>
           </p:sp>
         </mc:Choice>
-        <mc:Fallback>
+        <mc:Fallback xmlns="">
           <p:sp>
             <p:nvSpPr>
               <p:cNvPr id="3" name="Content Placeholder 2">
@@ -17962,8 +18214,8 @@
           </a:p>
         </p:txBody>
       </p:sp>
-      <mc:AlternateContent xmlns:mc="http://schemas.openxmlformats.org/markup-compatibility/2006">
-        <mc:Choice xmlns:a14="http://schemas.microsoft.com/office/drawing/2010/main" Requires="a14">
+      <mc:AlternateContent xmlns:mc="http://schemas.openxmlformats.org/markup-compatibility/2006" xmlns:a14="http://schemas.microsoft.com/office/drawing/2010/main">
+        <mc:Choice Requires="a14">
           <p:sp>
             <p:nvSpPr>
               <p:cNvPr id="3" name="Content Placeholder 2">
@@ -18487,7 +18739,7 @@
             </p:txBody>
           </p:sp>
         </mc:Choice>
-        <mc:Fallback>
+        <mc:Fallback xmlns="">
           <p:sp>
             <p:nvSpPr>
               <p:cNvPr id="3" name="Content Placeholder 2">
@@ -18585,8 +18837,8 @@
           </a:p>
         </p:txBody>
       </p:sp>
-      <mc:AlternateContent xmlns:mc="http://schemas.openxmlformats.org/markup-compatibility/2006">
-        <mc:Choice xmlns:a14="http://schemas.microsoft.com/office/drawing/2010/main" Requires="a14">
+      <mc:AlternateContent xmlns:mc="http://schemas.openxmlformats.org/markup-compatibility/2006" xmlns:a14="http://schemas.microsoft.com/office/drawing/2010/main">
+        <mc:Choice Requires="a14">
           <p:sp>
             <p:nvSpPr>
               <p:cNvPr id="3" name="Content Placeholder 2">
@@ -19020,7 +19272,7 @@
             </p:txBody>
           </p:sp>
         </mc:Choice>
-        <mc:Fallback>
+        <mc:Fallback xmlns="">
           <p:sp>
             <p:nvSpPr>
               <p:cNvPr id="3" name="Content Placeholder 2">
@@ -19220,8 +19472,8 @@
           </a:p>
         </p:txBody>
       </p:sp>
-      <mc:AlternateContent xmlns:mc="http://schemas.openxmlformats.org/markup-compatibility/2006">
-        <mc:Choice xmlns:a14="http://schemas.microsoft.com/office/drawing/2010/main" Requires="a14">
+      <mc:AlternateContent xmlns:mc="http://schemas.openxmlformats.org/markup-compatibility/2006" xmlns:a14="http://schemas.microsoft.com/office/drawing/2010/main">
+        <mc:Choice Requires="a14">
           <p:sp>
             <p:nvSpPr>
               <p:cNvPr id="3" name="Content Placeholder 2">
@@ -20133,7 +20385,7 @@
             </p:txBody>
           </p:sp>
         </mc:Choice>
-        <mc:Fallback>
+        <mc:Fallback xmlns="">
           <p:sp>
             <p:nvSpPr>
               <p:cNvPr id="3" name="Content Placeholder 2">
@@ -20231,8 +20483,8 @@
           </a:p>
         </p:txBody>
       </p:sp>
-      <mc:AlternateContent xmlns:mc="http://schemas.openxmlformats.org/markup-compatibility/2006">
-        <mc:Choice xmlns:a14="http://schemas.microsoft.com/office/drawing/2010/main" Requires="a14">
+      <mc:AlternateContent xmlns:mc="http://schemas.openxmlformats.org/markup-compatibility/2006" xmlns:a14="http://schemas.microsoft.com/office/drawing/2010/main">
+        <mc:Choice Requires="a14">
           <p:sp>
             <p:nvSpPr>
               <p:cNvPr id="3" name="Content Placeholder 2">
@@ -21185,7 +21437,7 @@
             </p:txBody>
           </p:sp>
         </mc:Choice>
-        <mc:Fallback>
+        <mc:Fallback xmlns="">
           <p:sp>
             <p:nvSpPr>
               <p:cNvPr id="3" name="Content Placeholder 2">

--- a/HW_2+3_programming_set/HW_2+3_programming/HW2+3.pptx
+++ b/HW_2+3_programming_set/HW_2+3_programming/HW2+3.pptx
@@ -10539,8 +10539,8 @@
           </a:p>
         </p:txBody>
       </p:sp>
-      <mc:AlternateContent xmlns:mc="http://schemas.openxmlformats.org/markup-compatibility/2006" xmlns:a14="http://schemas.microsoft.com/office/drawing/2010/main">
-        <mc:Choice Requires="a14">
+      <mc:AlternateContent xmlns:mc="http://schemas.openxmlformats.org/markup-compatibility/2006">
+        <mc:Choice xmlns:a14="http://schemas.microsoft.com/office/drawing/2010/main" Requires="a14">
           <p:sp>
             <p:nvSpPr>
               <p:cNvPr id="3" name="Content Placeholder 2">
@@ -11070,10 +11070,11 @@
                       </m:e>
                     </m:d>
                     <m:r>
-                      <a:rPr lang="en-US">
+                      <a:rPr lang="en-US" i="1">
                         <a:latin typeface="Cambria Math" panose="02040503050406030204" pitchFamily="18" charset="0"/>
+                        <a:ea typeface="Cambria Math" panose="02040503050406030204" pitchFamily="18" charset="0"/>
                       </a:rPr>
-                      <m:t>=</m:t>
+                      <m:t>∝</m:t>
                     </m:r>
                     <m:r>
                       <a:rPr lang="en-US" i="1" smtClean="0">
@@ -12294,7 +12295,7 @@
             </p:txBody>
           </p:sp>
         </mc:Choice>
-        <mc:Fallback xmlns="">
+        <mc:Fallback>
           <p:sp>
             <p:nvSpPr>
               <p:cNvPr id="3" name="Content Placeholder 2">
@@ -12537,8 +12538,8 @@
           </a:p>
         </p:txBody>
       </p:sp>
-      <mc:AlternateContent xmlns:mc="http://schemas.openxmlformats.org/markup-compatibility/2006">
-        <mc:Choice xmlns:a14="http://schemas.microsoft.com/office/drawing/2010/main" Requires="a14">
+      <mc:AlternateContent xmlns:mc="http://schemas.openxmlformats.org/markup-compatibility/2006" xmlns:a14="http://schemas.microsoft.com/office/drawing/2010/main">
+        <mc:Choice Requires="a14">
           <p:sp>
             <p:nvSpPr>
               <p:cNvPr id="3" name="Content Placeholder 2">
@@ -13034,7 +13035,7 @@
             </p:txBody>
           </p:sp>
         </mc:Choice>
-        <mc:Fallback>
+        <mc:Fallback xmlns="">
           <p:sp>
             <p:nvSpPr>
               <p:cNvPr id="3" name="Content Placeholder 2">
@@ -13132,8 +13133,8 @@
           </a:p>
         </p:txBody>
       </p:sp>
-      <mc:AlternateContent xmlns:mc="http://schemas.openxmlformats.org/markup-compatibility/2006">
-        <mc:Choice xmlns:a14="http://schemas.microsoft.com/office/drawing/2010/main" Requires="a14">
+      <mc:AlternateContent xmlns:mc="http://schemas.openxmlformats.org/markup-compatibility/2006" xmlns:a14="http://schemas.microsoft.com/office/drawing/2010/main">
+        <mc:Choice Requires="a14">
           <p:sp>
             <p:nvSpPr>
               <p:cNvPr id="3" name="Content Placeholder 2">
@@ -13986,7 +13987,7 @@
             </p:txBody>
           </p:sp>
         </mc:Choice>
-        <mc:Fallback>
+        <mc:Fallback xmlns="">
           <p:sp>
             <p:nvSpPr>
               <p:cNvPr id="3" name="Content Placeholder 2">
@@ -15161,8 +15162,8 @@
           </a:p>
         </p:txBody>
       </p:sp>
-      <mc:AlternateContent xmlns:mc="http://schemas.openxmlformats.org/markup-compatibility/2006" xmlns:a14="http://schemas.microsoft.com/office/drawing/2010/main">
-        <mc:Choice Requires="a14">
+      <mc:AlternateContent xmlns:mc="http://schemas.openxmlformats.org/markup-compatibility/2006">
+        <mc:Choice xmlns:a14="http://schemas.microsoft.com/office/drawing/2010/main" Requires="a14">
           <p:sp>
             <p:nvSpPr>
               <p:cNvPr id="3" name="Content Placeholder 2">
@@ -15692,10 +15693,11 @@
                       </m:e>
                     </m:d>
                     <m:r>
-                      <a:rPr lang="en-US">
+                      <a:rPr lang="en-US" i="1" smtClean="0">
                         <a:latin typeface="Cambria Math" panose="02040503050406030204" pitchFamily="18" charset="0"/>
+                        <a:ea typeface="Cambria Math" panose="02040503050406030204" pitchFamily="18" charset="0"/>
                       </a:rPr>
-                      <m:t>=</m:t>
+                      <m:t>∝</m:t>
                     </m:r>
                     <m:r>
                       <a:rPr lang="en-US" i="1" smtClean="0">
@@ -16019,7 +16021,7 @@
             </p:txBody>
           </p:sp>
         </mc:Choice>
-        <mc:Fallback xmlns="">
+        <mc:Fallback>
           <p:sp>
             <p:nvSpPr>
               <p:cNvPr id="3" name="Content Placeholder 2">

--- a/HW_2+3_programming_set/HW_2+3_programming/HW2+3.pptx
+++ b/HW_2+3_programming_set/HW_2+3_programming/HW2+3.pptx
@@ -253,7 +253,7 @@
           <a:p>
             <a:fld id="{F0C8AC04-A67D-B24C-8E12-8FB56FC05672}" type="datetimeFigureOut">
               <a:rPr lang="en-US" smtClean="0"/>
-              <a:t>3/11/2021</a:t>
+              <a:t>3/23/2021</a:t>
             </a:fld>
             <a:endParaRPr lang="en-US"/>
           </a:p>
@@ -430,7 +430,7 @@
           <a:p>
             <a:fld id="{2DE3F71F-EE20-0840-B448-C2CC2398DE46}" type="datetimeFigureOut">
               <a:rPr lang="en-US" smtClean="0"/>
-              <a:t>3/11/2021</a:t>
+              <a:t>3/23/2021</a:t>
             </a:fld>
             <a:endParaRPr lang="en-US"/>
           </a:p>
@@ -10539,8 +10539,8 @@
           </a:p>
         </p:txBody>
       </p:sp>
-      <mc:AlternateContent xmlns:mc="http://schemas.openxmlformats.org/markup-compatibility/2006">
-        <mc:Choice xmlns:a14="http://schemas.microsoft.com/office/drawing/2010/main" Requires="a14">
+      <mc:AlternateContent xmlns:mc="http://schemas.openxmlformats.org/markup-compatibility/2006" xmlns:a14="http://schemas.microsoft.com/office/drawing/2010/main">
+        <mc:Choice Requires="a14">
           <p:sp>
             <p:nvSpPr>
               <p:cNvPr id="3" name="Content Placeholder 2">
@@ -12295,7 +12295,7 @@
             </p:txBody>
           </p:sp>
         </mc:Choice>
-        <mc:Fallback>
+        <mc:Fallback xmlns="">
           <p:sp>
             <p:nvSpPr>
               <p:cNvPr id="3" name="Content Placeholder 2">
@@ -14085,8 +14085,8 @@
           </a:p>
         </p:txBody>
       </p:sp>
-      <mc:AlternateContent xmlns:mc="http://schemas.openxmlformats.org/markup-compatibility/2006" xmlns:a14="http://schemas.microsoft.com/office/drawing/2010/main">
-        <mc:Choice Requires="a14">
+      <mc:AlternateContent xmlns:mc="http://schemas.openxmlformats.org/markup-compatibility/2006">
+        <mc:Choice xmlns:a14="http://schemas.microsoft.com/office/drawing/2010/main" Requires="a14">
           <p:sp>
             <p:nvSpPr>
               <p:cNvPr id="3" name="Content Placeholder 2">
@@ -14485,6 +14485,7 @@
                       <m:r>
                         <a:rPr lang="en-US" i="1">
                           <a:latin typeface="Cambria Math" panose="02040503050406030204" pitchFamily="18" charset="0"/>
+                          <a:ea typeface="Cambria Math" panose="02040503050406030204" pitchFamily="18" charset="0"/>
                         </a:rPr>
                         <m:t>𝑝</m:t>
                       </m:r>
@@ -14493,23 +14494,11 @@
                           <m:ctrlPr>
                             <a:rPr lang="en-US" i="1">
                               <a:latin typeface="Cambria Math" panose="02040503050406030204" pitchFamily="18" charset="0"/>
+                              <a:ea typeface="Cambria Math" panose="02040503050406030204" pitchFamily="18" charset="0"/>
                             </a:rPr>
                           </m:ctrlPr>
                         </m:dPr>
                         <m:e>
-                          <m:r>
-                            <a:rPr lang="en-US" b="1" i="1">
-                              <a:latin typeface="Cambria Math" panose="02040503050406030204" pitchFamily="18" charset="0"/>
-                            </a:rPr>
-                            <m:t>𝒙</m:t>
-                          </m:r>
-                          <m:r>
-                            <a:rPr lang="en-US" i="1">
-                              <a:latin typeface="Cambria Math" panose="02040503050406030204" pitchFamily="18" charset="0"/>
-                              <a:ea typeface="Cambria Math" panose="02040503050406030204" pitchFamily="18" charset="0"/>
-                            </a:rPr>
-                            <m:t>|</m:t>
-                          </m:r>
                           <m:r>
                             <a:rPr lang="en-US" i="1">
                               <a:latin typeface="Cambria Math" panose="02040503050406030204" pitchFamily="18" charset="0"/>
@@ -14761,6 +14750,7 @@
                           <m:r>
                             <a:rPr lang="en-US" i="1">
                               <a:latin typeface="Cambria Math" panose="02040503050406030204" pitchFamily="18" charset="0"/>
+                              <a:ea typeface="Cambria Math" panose="02040503050406030204" pitchFamily="18" charset="0"/>
                             </a:rPr>
                             <m:t>𝑝</m:t>
                           </m:r>
@@ -14769,23 +14759,11 @@
                               <m:ctrlPr>
                                 <a:rPr lang="en-US" i="1">
                                   <a:latin typeface="Cambria Math" panose="02040503050406030204" pitchFamily="18" charset="0"/>
+                                  <a:ea typeface="Cambria Math" panose="02040503050406030204" pitchFamily="18" charset="0"/>
                                 </a:rPr>
                               </m:ctrlPr>
                             </m:dPr>
                             <m:e>
-                              <m:r>
-                                <a:rPr lang="en-US" b="1" i="1">
-                                  <a:latin typeface="Cambria Math" panose="02040503050406030204" pitchFamily="18" charset="0"/>
-                                </a:rPr>
-                                <m:t>𝒙</m:t>
-                              </m:r>
-                              <m:r>
-                                <a:rPr lang="en-US" i="1">
-                                  <a:latin typeface="Cambria Math" panose="02040503050406030204" pitchFamily="18" charset="0"/>
-                                  <a:ea typeface="Cambria Math" panose="02040503050406030204" pitchFamily="18" charset="0"/>
-                                </a:rPr>
-                                <m:t>|</m:t>
-                              </m:r>
                               <m:r>
                                 <a:rPr lang="en-US" i="1">
                                   <a:latin typeface="Cambria Math" panose="02040503050406030204" pitchFamily="18" charset="0"/>
@@ -14965,7 +14943,7 @@
             </p:txBody>
           </p:sp>
         </mc:Choice>
-        <mc:Fallback xmlns="">
+        <mc:Fallback>
           <p:sp>
             <p:nvSpPr>
               <p:cNvPr id="3" name="Content Placeholder 2">
@@ -15162,8 +15140,8 @@
           </a:p>
         </p:txBody>
       </p:sp>
-      <mc:AlternateContent xmlns:mc="http://schemas.openxmlformats.org/markup-compatibility/2006">
-        <mc:Choice xmlns:a14="http://schemas.microsoft.com/office/drawing/2010/main" Requires="a14">
+      <mc:AlternateContent xmlns:mc="http://schemas.openxmlformats.org/markup-compatibility/2006" xmlns:a14="http://schemas.microsoft.com/office/drawing/2010/main">
+        <mc:Choice Requires="a14">
           <p:sp>
             <p:nvSpPr>
               <p:cNvPr id="3" name="Content Placeholder 2">
@@ -16021,7 +15999,7 @@
             </p:txBody>
           </p:sp>
         </mc:Choice>
-        <mc:Fallback>
+        <mc:Fallback xmlns="">
           <p:sp>
             <p:nvSpPr>
               <p:cNvPr id="3" name="Content Placeholder 2">
@@ -17112,8 +17090,8 @@
           </a:p>
         </p:txBody>
       </p:sp>
-      <mc:AlternateContent xmlns:mc="http://schemas.openxmlformats.org/markup-compatibility/2006" xmlns:a14="http://schemas.microsoft.com/office/drawing/2010/main">
-        <mc:Choice Requires="a14">
+      <mc:AlternateContent xmlns:mc="http://schemas.openxmlformats.org/markup-compatibility/2006">
+        <mc:Choice xmlns:a14="http://schemas.microsoft.com/office/drawing/2010/main" Requires="a14">
           <p:sp>
             <p:nvSpPr>
               <p:cNvPr id="3" name="Content Placeholder 2">
@@ -17381,7 +17359,7 @@
                             </m:e>
                           </m:d>
                           <m:r>
-                            <a:rPr lang="en-US" i="1">
+                            <a:rPr lang="en-US" i="1" smtClean="0">
                               <a:latin typeface="Cambria Math" panose="02040503050406030204" pitchFamily="18" charset="0"/>
                               <a:ea typeface="Cambria Math" panose="02040503050406030204" pitchFamily="18" charset="0"/>
                             </a:rPr>
@@ -17532,7 +17510,7 @@
                         </m:fName>
                         <m:e>
                           <m:r>
-                            <a:rPr lang="en-US" i="1">
+                            <a:rPr lang="en-US" i="1" smtClean="0">
                               <a:latin typeface="Cambria Math" panose="02040503050406030204" pitchFamily="18" charset="0"/>
                             </a:rPr>
                             <m:t>𝑝</m:t>
@@ -17612,8 +17590,9 @@
                         </m:fName>
                         <m:e>
                           <m:r>
-                            <a:rPr lang="en-US" i="1">
+                            <a:rPr lang="en-US" i="1" smtClean="0">
                               <a:latin typeface="Cambria Math" panose="02040503050406030204" pitchFamily="18" charset="0"/>
+                              <a:ea typeface="Cambria Math" panose="02040503050406030204" pitchFamily="18" charset="0"/>
                             </a:rPr>
                             <m:t>𝑝</m:t>
                           </m:r>
@@ -17622,23 +17601,11 @@
                               <m:ctrlPr>
                                 <a:rPr lang="en-US" i="1">
                                   <a:latin typeface="Cambria Math" panose="02040503050406030204" pitchFamily="18" charset="0"/>
+                                  <a:ea typeface="Cambria Math" panose="02040503050406030204" pitchFamily="18" charset="0"/>
                                 </a:rPr>
                               </m:ctrlPr>
                             </m:dPr>
                             <m:e>
-                              <m:r>
-                                <a:rPr lang="en-US" b="1" i="1">
-                                  <a:latin typeface="Cambria Math" panose="02040503050406030204" pitchFamily="18" charset="0"/>
-                                </a:rPr>
-                                <m:t>𝒙</m:t>
-                              </m:r>
-                              <m:r>
-                                <a:rPr lang="en-US" i="1">
-                                  <a:latin typeface="Cambria Math" panose="02040503050406030204" pitchFamily="18" charset="0"/>
-                                  <a:ea typeface="Cambria Math" panose="02040503050406030204" pitchFamily="18" charset="0"/>
-                                </a:rPr>
-                                <m:t>|</m:t>
-                              </m:r>
                               <m:r>
                                 <a:rPr lang="en-US" i="1">
                                   <a:latin typeface="Cambria Math" panose="02040503050406030204" pitchFamily="18" charset="0"/>
@@ -17678,7 +17645,7 @@
             </p:txBody>
           </p:sp>
         </mc:Choice>
-        <mc:Fallback xmlns="">
+        <mc:Fallback>
           <p:sp>
             <p:nvSpPr>
               <p:cNvPr id="3" name="Content Placeholder 2">

--- a/HW_2+3_programming_set/HW_2+3_programming/HW2+3.pptx
+++ b/HW_2+3_programming_set/HW_2+3_programming/HW2+3.pptx
@@ -3558,8 +3558,8 @@
           </p:sp>
         </mc:Fallback>
       </mc:AlternateContent>
-      <mc:AlternateContent xmlns:mc="http://schemas.openxmlformats.org/markup-compatibility/2006" xmlns:a14="http://schemas.microsoft.com/office/drawing/2010/main">
-        <mc:Choice Requires="a14">
+      <mc:AlternateContent xmlns:mc="http://schemas.openxmlformats.org/markup-compatibility/2006">
+        <mc:Choice xmlns:a14="http://schemas.microsoft.com/office/drawing/2010/main" Requires="a14">
           <p:sp>
             <p:nvSpPr>
               <p:cNvPr id="4" name="Rectangle 3">
@@ -4460,31 +4460,44 @@
                                       </m:r>
                                     </m:sup>
                                   </m:sSup>
-                                  <m:acc>
-                                    <m:accPr>
-                                      <m:chr m:val="̃"/>
+                                  <m:sSub>
+                                    <m:sSubPr>
                                       <m:ctrlPr>
                                         <a:rPr lang="en-US" sz="2400" i="1">
-                                          <a:solidFill>
-                                            <a:schemeClr val="tx1"/>
-                                          </a:solidFill>
                                           <a:latin typeface="Cambria Math" panose="02040503050406030204" pitchFamily="18" charset="0"/>
-                                          <a:ea typeface="Cambria Math" panose="02040503050406030204" pitchFamily="18" charset="0"/>
                                         </a:rPr>
                                       </m:ctrlPr>
-                                    </m:accPr>
+                                    </m:sSubPr>
                                     <m:e>
+                                      <m:acc>
+                                        <m:accPr>
+                                          <m:chr m:val="̃"/>
+                                          <m:ctrlPr>
+                                            <a:rPr lang="en-US" sz="2400" i="1">
+                                              <a:latin typeface="Cambria Math" panose="02040503050406030204" pitchFamily="18" charset="0"/>
+                                              <a:ea typeface="Cambria Math" panose="02040503050406030204" pitchFamily="18" charset="0"/>
+                                            </a:rPr>
+                                          </m:ctrlPr>
+                                        </m:accPr>
+                                        <m:e>
+                                          <m:r>
+                                            <a:rPr lang="en-US" sz="2400" b="1" i="1" dirty="0">
+                                              <a:latin typeface="Cambria Math" panose="02040503050406030204" pitchFamily="18" charset="0"/>
+                                            </a:rPr>
+                                            <m:t>𝒙</m:t>
+                                          </m:r>
+                                        </m:e>
+                                      </m:acc>
+                                    </m:e>
+                                    <m:sub>
                                       <m:r>
-                                        <a:rPr lang="en-US" sz="2400" b="1" i="1" dirty="0">
-                                          <a:solidFill>
-                                            <a:schemeClr val="tx1"/>
-                                          </a:solidFill>
+                                        <a:rPr lang="en-US" sz="2400" i="1">
                                           <a:latin typeface="Cambria Math" panose="02040503050406030204" pitchFamily="18" charset="0"/>
                                         </a:rPr>
-                                        <m:t>𝒙</m:t>
+                                        <m:t>𝑛</m:t>
                                       </m:r>
-                                    </m:e>
-                                  </m:acc>
+                                    </m:sub>
+                                  </m:sSub>
                                 </m:e>
                               </m:d>
                             </m:e>
@@ -4734,31 +4747,44 @@
                                           </m:r>
                                         </m:sup>
                                       </m:sSup>
-                                      <m:acc>
-                                        <m:accPr>
-                                          <m:chr m:val="̃"/>
+                                      <m:sSub>
+                                        <m:sSubPr>
                                           <m:ctrlPr>
                                             <a:rPr lang="en-US" sz="2400" i="1">
-                                              <a:solidFill>
-                                                <a:schemeClr val="tx1"/>
-                                              </a:solidFill>
                                               <a:latin typeface="Cambria Math" panose="02040503050406030204" pitchFamily="18" charset="0"/>
-                                              <a:ea typeface="Cambria Math" panose="02040503050406030204" pitchFamily="18" charset="0"/>
                                             </a:rPr>
                                           </m:ctrlPr>
-                                        </m:accPr>
+                                        </m:sSubPr>
                                         <m:e>
+                                          <m:acc>
+                                            <m:accPr>
+                                              <m:chr m:val="̃"/>
+                                              <m:ctrlPr>
+                                                <a:rPr lang="en-US" sz="2400" i="1">
+                                                  <a:latin typeface="Cambria Math" panose="02040503050406030204" pitchFamily="18" charset="0"/>
+                                                  <a:ea typeface="Cambria Math" panose="02040503050406030204" pitchFamily="18" charset="0"/>
+                                                </a:rPr>
+                                              </m:ctrlPr>
+                                            </m:accPr>
+                                            <m:e>
+                                              <m:r>
+                                                <a:rPr lang="en-US" sz="2400" b="1" i="1" dirty="0">
+                                                  <a:latin typeface="Cambria Math" panose="02040503050406030204" pitchFamily="18" charset="0"/>
+                                                </a:rPr>
+                                                <m:t>𝒙</m:t>
+                                              </m:r>
+                                            </m:e>
+                                          </m:acc>
+                                        </m:e>
+                                        <m:sub>
                                           <m:r>
-                                            <a:rPr lang="en-US" sz="2400" b="1" i="1" dirty="0">
-                                              <a:solidFill>
-                                                <a:schemeClr val="tx1"/>
-                                              </a:solidFill>
+                                            <a:rPr lang="en-US" sz="2400" i="1">
                                               <a:latin typeface="Cambria Math" panose="02040503050406030204" pitchFamily="18" charset="0"/>
                                             </a:rPr>
-                                            <m:t>𝒙</m:t>
+                                            <m:t>𝑛</m:t>
                                           </m:r>
-                                        </m:e>
-                                      </m:acc>
+                                        </m:sub>
+                                      </m:sSub>
                                     </m:e>
                                   </m:d>
                                 </m:e>
@@ -5460,7 +5486,7 @@
             </p:txBody>
           </p:sp>
         </mc:Choice>
-        <mc:Fallback xmlns="">
+        <mc:Fallback>
           <p:sp>
             <p:nvSpPr>
               <p:cNvPr id="4" name="Rectangle 3">
@@ -14085,8 +14111,8 @@
           </a:p>
         </p:txBody>
       </p:sp>
-      <mc:AlternateContent xmlns:mc="http://schemas.openxmlformats.org/markup-compatibility/2006">
-        <mc:Choice xmlns:a14="http://schemas.microsoft.com/office/drawing/2010/main" Requires="a14">
+      <mc:AlternateContent xmlns:mc="http://schemas.openxmlformats.org/markup-compatibility/2006" xmlns:a14="http://schemas.microsoft.com/office/drawing/2010/main">
+        <mc:Choice Requires="a14">
           <p:sp>
             <p:nvSpPr>
               <p:cNvPr id="3" name="Content Placeholder 2">
@@ -14943,7 +14969,7 @@
             </p:txBody>
           </p:sp>
         </mc:Choice>
-        <mc:Fallback>
+        <mc:Fallback xmlns="">
           <p:sp>
             <p:nvSpPr>
               <p:cNvPr id="3" name="Content Placeholder 2">
@@ -17090,8 +17116,8 @@
           </a:p>
         </p:txBody>
       </p:sp>
-      <mc:AlternateContent xmlns:mc="http://schemas.openxmlformats.org/markup-compatibility/2006">
-        <mc:Choice xmlns:a14="http://schemas.microsoft.com/office/drawing/2010/main" Requires="a14">
+      <mc:AlternateContent xmlns:mc="http://schemas.openxmlformats.org/markup-compatibility/2006" xmlns:a14="http://schemas.microsoft.com/office/drawing/2010/main">
+        <mc:Choice Requires="a14">
           <p:sp>
             <p:nvSpPr>
               <p:cNvPr id="3" name="Content Placeholder 2">
@@ -17645,7 +17671,7 @@
             </p:txBody>
           </p:sp>
         </mc:Choice>
-        <mc:Fallback>
+        <mc:Fallback xmlns="">
           <p:sp>
             <p:nvSpPr>
               <p:cNvPr id="3" name="Content Placeholder 2">
@@ -22034,8 +22060,8 @@
           </p:sp>
         </mc:Fallback>
       </mc:AlternateContent>
-      <mc:AlternateContent xmlns:mc="http://schemas.openxmlformats.org/markup-compatibility/2006" xmlns:a14="http://schemas.microsoft.com/office/drawing/2010/main">
-        <mc:Choice Requires="a14">
+      <mc:AlternateContent xmlns:mc="http://schemas.openxmlformats.org/markup-compatibility/2006">
+        <mc:Choice xmlns:a14="http://schemas.microsoft.com/office/drawing/2010/main" Requires="a14">
           <p:sp>
             <p:nvSpPr>
               <p:cNvPr id="4" name="Rectangle 3">
@@ -23053,31 +23079,44 @@
                               </m:r>
                             </m:sup>
                           </m:sSup>
-                          <m:acc>
-                            <m:accPr>
-                              <m:chr m:val="̃"/>
+                          <m:sSub>
+                            <m:sSubPr>
                               <m:ctrlPr>
                                 <a:rPr lang="en-US" sz="2400" i="1">
-                                  <a:solidFill>
-                                    <a:schemeClr val="tx1"/>
-                                  </a:solidFill>
                                   <a:latin typeface="Cambria Math" panose="02040503050406030204" pitchFamily="18" charset="0"/>
-                                  <a:ea typeface="Cambria Math" panose="02040503050406030204" pitchFamily="18" charset="0"/>
                                 </a:rPr>
                               </m:ctrlPr>
-                            </m:accPr>
+                            </m:sSubPr>
                             <m:e>
+                              <m:acc>
+                                <m:accPr>
+                                  <m:chr m:val="̃"/>
+                                  <m:ctrlPr>
+                                    <a:rPr lang="en-US" sz="2400" i="1">
+                                      <a:latin typeface="Cambria Math" panose="02040503050406030204" pitchFamily="18" charset="0"/>
+                                      <a:ea typeface="Cambria Math" panose="02040503050406030204" pitchFamily="18" charset="0"/>
+                                    </a:rPr>
+                                  </m:ctrlPr>
+                                </m:accPr>
+                                <m:e>
+                                  <m:r>
+                                    <a:rPr lang="en-US" sz="2400" b="1" i="1" dirty="0">
+                                      <a:latin typeface="Cambria Math" panose="02040503050406030204" pitchFamily="18" charset="0"/>
+                                    </a:rPr>
+                                    <m:t>𝒙</m:t>
+                                  </m:r>
+                                </m:e>
+                              </m:acc>
+                            </m:e>
+                            <m:sub>
                               <m:r>
-                                <a:rPr lang="en-US" sz="2400" b="1" i="1" dirty="0">
-                                  <a:solidFill>
-                                    <a:schemeClr val="tx1"/>
-                                  </a:solidFill>
+                                <a:rPr lang="en-US" sz="2400" i="1">
                                   <a:latin typeface="Cambria Math" panose="02040503050406030204" pitchFamily="18" charset="0"/>
                                 </a:rPr>
-                                <m:t>𝒙</m:t>
+                                <m:t>𝑛</m:t>
                               </m:r>
-                            </m:e>
-                          </m:acc>
+                            </m:sub>
+                          </m:sSub>
                         </m:e>
                       </m:d>
                       <m:r>
@@ -23405,25 +23444,44 @@
                               </m:r>
                             </m:sup>
                           </m:sSup>
-                          <m:acc>
-                            <m:accPr>
-                              <m:chr m:val="̃"/>
+                          <m:sSub>
+                            <m:sSubPr>
                               <m:ctrlPr>
                                 <a:rPr lang="en-US" sz="2400" i="1">
                                   <a:latin typeface="Cambria Math" panose="02040503050406030204" pitchFamily="18" charset="0"/>
-                                  <a:ea typeface="Cambria Math" panose="02040503050406030204" pitchFamily="18" charset="0"/>
                                 </a:rPr>
                               </m:ctrlPr>
-                            </m:accPr>
+                            </m:sSubPr>
                             <m:e>
+                              <m:acc>
+                                <m:accPr>
+                                  <m:chr m:val="̃"/>
+                                  <m:ctrlPr>
+                                    <a:rPr lang="en-US" sz="2400" i="1">
+                                      <a:latin typeface="Cambria Math" panose="02040503050406030204" pitchFamily="18" charset="0"/>
+                                      <a:ea typeface="Cambria Math" panose="02040503050406030204" pitchFamily="18" charset="0"/>
+                                    </a:rPr>
+                                  </m:ctrlPr>
+                                </m:accPr>
+                                <m:e>
+                                  <m:r>
+                                    <a:rPr lang="en-US" sz="2400" b="1" i="1" dirty="0">
+                                      <a:latin typeface="Cambria Math" panose="02040503050406030204" pitchFamily="18" charset="0"/>
+                                    </a:rPr>
+                                    <m:t>𝒙</m:t>
+                                  </m:r>
+                                </m:e>
+                              </m:acc>
+                            </m:e>
+                            <m:sub>
                               <m:r>
-                                <a:rPr lang="en-US" sz="2400" b="1" i="1" dirty="0">
+                                <a:rPr lang="en-US" sz="2400" i="1">
                                   <a:latin typeface="Cambria Math" panose="02040503050406030204" pitchFamily="18" charset="0"/>
                                 </a:rPr>
-                                <m:t>𝒙</m:t>
+                                <m:t>𝑛</m:t>
                               </m:r>
-                            </m:e>
-                          </m:acc>
+                            </m:sub>
+                          </m:sSub>
                         </m:e>
                       </m:d>
                       <m:r>
@@ -23618,25 +23676,44 @@
                                   </m:r>
                                 </m:sup>
                               </m:sSup>
-                              <m:acc>
-                                <m:accPr>
-                                  <m:chr m:val="̃"/>
+                              <m:sSub>
+                                <m:sSubPr>
                                   <m:ctrlPr>
                                     <a:rPr lang="en-US" sz="2400" i="1">
                                       <a:latin typeface="Cambria Math" panose="02040503050406030204" pitchFamily="18" charset="0"/>
-                                      <a:ea typeface="Cambria Math" panose="02040503050406030204" pitchFamily="18" charset="0"/>
                                     </a:rPr>
                                   </m:ctrlPr>
-                                </m:accPr>
+                                </m:sSubPr>
                                 <m:e>
+                                  <m:acc>
+                                    <m:accPr>
+                                      <m:chr m:val="̃"/>
+                                      <m:ctrlPr>
+                                        <a:rPr lang="en-US" sz="2400" i="1">
+                                          <a:latin typeface="Cambria Math" panose="02040503050406030204" pitchFamily="18" charset="0"/>
+                                          <a:ea typeface="Cambria Math" panose="02040503050406030204" pitchFamily="18" charset="0"/>
+                                        </a:rPr>
+                                      </m:ctrlPr>
+                                    </m:accPr>
+                                    <m:e>
+                                      <m:r>
+                                        <a:rPr lang="en-US" sz="2400" b="1" i="1" dirty="0">
+                                          <a:latin typeface="Cambria Math" panose="02040503050406030204" pitchFamily="18" charset="0"/>
+                                        </a:rPr>
+                                        <m:t>𝒙</m:t>
+                                      </m:r>
+                                    </m:e>
+                                  </m:acc>
+                                </m:e>
+                                <m:sub>
                                   <m:r>
-                                    <a:rPr lang="en-US" sz="2400" b="1" i="1" dirty="0">
+                                    <a:rPr lang="en-US" sz="2400" i="1">
                                       <a:latin typeface="Cambria Math" panose="02040503050406030204" pitchFamily="18" charset="0"/>
                                     </a:rPr>
-                                    <m:t>𝒙</m:t>
+                                    <m:t>𝑛</m:t>
                                   </m:r>
-                                </m:e>
-                              </m:acc>
+                                </m:sub>
+                              </m:sSub>
                             </m:e>
                           </m:d>
                         </m:num>
@@ -23722,25 +23799,44 @@
                                   </m:r>
                                 </m:sup>
                               </m:sSup>
-                              <m:acc>
-                                <m:accPr>
-                                  <m:chr m:val="̃"/>
+                              <m:sSub>
+                                <m:sSubPr>
                                   <m:ctrlPr>
                                     <a:rPr lang="en-US" sz="2400" i="1">
                                       <a:latin typeface="Cambria Math" panose="02040503050406030204" pitchFamily="18" charset="0"/>
-                                      <a:ea typeface="Cambria Math" panose="02040503050406030204" pitchFamily="18" charset="0"/>
                                     </a:rPr>
                                   </m:ctrlPr>
-                                </m:accPr>
+                                </m:sSubPr>
                                 <m:e>
+                                  <m:acc>
+                                    <m:accPr>
+                                      <m:chr m:val="̃"/>
+                                      <m:ctrlPr>
+                                        <a:rPr lang="en-US" sz="2400" i="1">
+                                          <a:latin typeface="Cambria Math" panose="02040503050406030204" pitchFamily="18" charset="0"/>
+                                          <a:ea typeface="Cambria Math" panose="02040503050406030204" pitchFamily="18" charset="0"/>
+                                        </a:rPr>
+                                      </m:ctrlPr>
+                                    </m:accPr>
+                                    <m:e>
+                                      <m:r>
+                                        <a:rPr lang="en-US" sz="2400" b="1" i="1" dirty="0">
+                                          <a:latin typeface="Cambria Math" panose="02040503050406030204" pitchFamily="18" charset="0"/>
+                                        </a:rPr>
+                                        <m:t>𝒙</m:t>
+                                      </m:r>
+                                    </m:e>
+                                  </m:acc>
+                                </m:e>
+                                <m:sub>
                                   <m:r>
-                                    <a:rPr lang="en-US" sz="2400" b="1" i="1" dirty="0">
+                                    <a:rPr lang="en-US" sz="2400" i="1">
                                       <a:latin typeface="Cambria Math" panose="02040503050406030204" pitchFamily="18" charset="0"/>
                                     </a:rPr>
-                                    <m:t>𝒙</m:t>
+                                    <m:t>𝑛</m:t>
                                   </m:r>
-                                </m:e>
-                              </m:acc>
+                                </m:sub>
+                              </m:sSub>
                             </m:e>
                           </m:d>
                         </m:den>
@@ -23944,31 +24040,44 @@
                                   </m:r>
                                 </m:sup>
                               </m:sSup>
-                              <m:acc>
-                                <m:accPr>
-                                  <m:chr m:val="̃"/>
+                              <m:sSub>
+                                <m:sSubPr>
                                   <m:ctrlPr>
                                     <a:rPr lang="en-US" sz="2400" i="1">
-                                      <a:solidFill>
-                                        <a:schemeClr val="tx1"/>
-                                      </a:solidFill>
                                       <a:latin typeface="Cambria Math" panose="02040503050406030204" pitchFamily="18" charset="0"/>
-                                      <a:ea typeface="Cambria Math" panose="02040503050406030204" pitchFamily="18" charset="0"/>
                                     </a:rPr>
                                   </m:ctrlPr>
-                                </m:accPr>
+                                </m:sSubPr>
                                 <m:e>
+                                  <m:acc>
+                                    <m:accPr>
+                                      <m:chr m:val="̃"/>
+                                      <m:ctrlPr>
+                                        <a:rPr lang="en-US" sz="2400" i="1">
+                                          <a:latin typeface="Cambria Math" panose="02040503050406030204" pitchFamily="18" charset="0"/>
+                                          <a:ea typeface="Cambria Math" panose="02040503050406030204" pitchFamily="18" charset="0"/>
+                                        </a:rPr>
+                                      </m:ctrlPr>
+                                    </m:accPr>
+                                    <m:e>
+                                      <m:r>
+                                        <a:rPr lang="en-US" sz="2400" b="1" i="1" dirty="0">
+                                          <a:latin typeface="Cambria Math" panose="02040503050406030204" pitchFamily="18" charset="0"/>
+                                        </a:rPr>
+                                        <m:t>𝒙</m:t>
+                                      </m:r>
+                                    </m:e>
+                                  </m:acc>
+                                </m:e>
+                                <m:sub>
                                   <m:r>
-                                    <a:rPr lang="en-US" sz="2400" b="1" i="1" dirty="0">
-                                      <a:solidFill>
-                                        <a:schemeClr val="tx1"/>
-                                      </a:solidFill>
+                                    <a:rPr lang="en-US" sz="2400" i="1">
                                       <a:latin typeface="Cambria Math" panose="02040503050406030204" pitchFamily="18" charset="0"/>
                                     </a:rPr>
-                                    <m:t>𝒙</m:t>
+                                    <m:t>𝑛</m:t>
                                   </m:r>
-                                </m:e>
-                              </m:acc>
+                                </m:sub>
+                              </m:sSub>
                             </m:e>
                           </m:d>
                         </m:e>
@@ -24047,7 +24156,7 @@
             </p:txBody>
           </p:sp>
         </mc:Choice>
-        <mc:Fallback xmlns="">
+        <mc:Fallback>
           <p:sp>
             <p:nvSpPr>
               <p:cNvPr id="4" name="Rectangle 3">
